--- a/r/cheatsheet/powerpoint/arrow.pptx
+++ b/r/cheatsheet/powerpoint/arrow.pptx
@@ -9124,7 +9124,20 @@
                 <a:cs typeface="Source Sans Pro"/>
                 <a:sym typeface="Source Sans Pro"/>
               </a:rPr>
-              <a:t>Apache Arrow® is a trademark of The Apache Software Foundation • </a:t>
+              <a:t>Apache Arrow is a trademark of The Apache Software Foundation •</a:t>
+            </a:r>
+            <a:r>
+              <a:rPr lang="en-US" sz="900">
+                <a:uFill>
+                  <a:noFill/>
+                </a:uFill>
+                <a:latin typeface="Source Sans Pro"/>
+                <a:ea typeface="Source Sans Pro"/>
+                <a:cs typeface="Source Sans Pro"/>
+                <a:sym typeface="Source Sans Pro"/>
+                <a:hlinkClick r:id="rId2"/>
+              </a:rPr>
+              <a:t> </a:t>
             </a:r>
             <a:r>
               <a:rPr lang="en-US" sz="900" u="sng">
@@ -9132,9 +9145,9 @@
                 <a:ea typeface="Source Sans Pro"/>
                 <a:cs typeface="Source Sans Pro"/>
                 <a:sym typeface="Source Sans Pro"/>
-                <a:hlinkClick r:id="rId2"/>
-              </a:rPr>
-              <a:t>Apache Licence 2.0</a:t>
+                <a:hlinkClick r:id="rId3"/>
+              </a:rPr>
+              <a:t>Apache License 2.0</a:t>
             </a:r>
             <a:r>
               <a:rPr lang="en-US" sz="900">
@@ -9156,7 +9169,7 @@
                 <a:ea typeface="Source Sans Pro"/>
                 <a:cs typeface="Source Sans Pro"/>
                 <a:sym typeface="Source Sans Pro"/>
-                <a:hlinkClick r:id="rId3"/>
+                <a:hlinkClick r:id="rId4"/>
                 <a:extLst>
                   <a:ext uri="http://customooxmlschemas.google.com/">
                     <go:slidesCustomData xmlns:go="http://customooxmlschemas.google.com/" textRoundtripDataId="1"/>
@@ -9255,7 +9268,7 @@
           <p:nvPr/>
         </p:nvPicPr>
         <p:blipFill>
-          <a:blip r:embed="rId4">
+          <a:blip r:embed="rId5">
             <a:alphaModFix/>
           </a:blip>
           <a:stretch>
@@ -9330,7 +9343,16 @@
                   </a:ext>
                 </a:extLst>
               </a:rPr>
-              <a:t>Arrow for R: : </a:t>
+              <a:t>Arrow for R : :</a:t>
+            </a:r>
+            <a:r>
+              <a:rPr lang="en-US" sz="4800">
+                <a:latin typeface="Source Sans Pro Light"/>
+                <a:ea typeface="Source Sans Pro Light"/>
+                <a:cs typeface="Source Sans Pro Light"/>
+                <a:sym typeface="Source Sans Pro Light"/>
+              </a:rPr>
+              <a:t> </a:t>
             </a:r>
             <a:r>
               <a:rPr lang="en-US" sz="3300">
@@ -9403,7 +9425,7 @@
           <p:nvPr/>
         </p:nvPicPr>
         <p:blipFill rotWithShape="1">
-          <a:blip r:embed="rId5">
+          <a:blip r:embed="rId6">
             <a:alphaModFix/>
           </a:blip>
           <a:srcRect b="0" l="248" r="248" t="0"/>
@@ -9427,19 +9449,19 @@
   </p:cSld>
   <p:clrMap accent1="accent1" accent2="accent2" accent3="accent3" accent4="accent4" accent5="accent5" accent6="accent6" bg1="lt1" bg2="dk2" tx1="dk1" tx2="lt2" folHlink="folHlink" hlink="hlink"/>
   <p:sldLayoutIdLst>
-    <p:sldLayoutId id="2147483649" r:id="rId6"/>
-    <p:sldLayoutId id="2147483650" r:id="rId7"/>
-    <p:sldLayoutId id="2147483651" r:id="rId8"/>
-    <p:sldLayoutId id="2147483652" r:id="rId9"/>
-    <p:sldLayoutId id="2147483653" r:id="rId10"/>
-    <p:sldLayoutId id="2147483654" r:id="rId11"/>
-    <p:sldLayoutId id="2147483655" r:id="rId12"/>
-    <p:sldLayoutId id="2147483656" r:id="rId13"/>
-    <p:sldLayoutId id="2147483657" r:id="rId14"/>
-    <p:sldLayoutId id="2147483658" r:id="rId15"/>
-    <p:sldLayoutId id="2147483659" r:id="rId16"/>
-    <p:sldLayoutId id="2147483660" r:id="rId17"/>
-    <p:sldLayoutId id="2147483661" r:id="rId18"/>
+    <p:sldLayoutId id="2147483649" r:id="rId7"/>
+    <p:sldLayoutId id="2147483650" r:id="rId8"/>
+    <p:sldLayoutId id="2147483651" r:id="rId9"/>
+    <p:sldLayoutId id="2147483652" r:id="rId10"/>
+    <p:sldLayoutId id="2147483653" r:id="rId11"/>
+    <p:sldLayoutId id="2147483654" r:id="rId12"/>
+    <p:sldLayoutId id="2147483655" r:id="rId13"/>
+    <p:sldLayoutId id="2147483656" r:id="rId14"/>
+    <p:sldLayoutId id="2147483657" r:id="rId15"/>
+    <p:sldLayoutId id="2147483658" r:id="rId16"/>
+    <p:sldLayoutId id="2147483659" r:id="rId17"/>
+    <p:sldLayoutId id="2147483660" r:id="rId18"/>
+    <p:sldLayoutId id="2147483661" r:id="rId19"/>
   </p:sldLayoutIdLst>
   <p:hf dt="0" ftr="0" hdr="0" sldNum="0"/>
   <p:txStyles>
@@ -10223,6 +10245,35 @@
             </a:endParaRPr>
           </a:p>
           <a:p>
+            <a:pPr indent="0" lvl="0" marL="0" rtl="0" algn="l">
+              <a:lnSpc>
+                <a:spcPct val="110000"/>
+              </a:lnSpc>
+              <a:spcBef>
+                <a:spcPts val="0"/>
+              </a:spcBef>
+              <a:spcAft>
+                <a:spcPts val="0"/>
+              </a:spcAft>
+              <a:buNone/>
+            </a:pPr>
+            <a:r>
+              <a:t/>
+            </a:r>
+            <a:endParaRPr b="1" i="1" sz="2500" u="sng">
+              <a:solidFill>
+                <a:schemeClr val="accent5"/>
+              </a:solidFill>
+              <a:highlight>
+                <a:srgbClr val="FFFF00"/>
+              </a:highlight>
+              <a:latin typeface="Source Sans Pro"/>
+              <a:ea typeface="Source Sans Pro"/>
+              <a:cs typeface="Source Sans Pro"/>
+              <a:sym typeface="Source Sans Pro"/>
+            </a:endParaRPr>
+          </a:p>
+          <a:p>
             <a:pPr indent="0" lvl="1" marL="0" rtl="0" algn="l">
               <a:lnSpc>
                 <a:spcPct val="110000"/>
@@ -12029,7 +12080,7 @@
                 <a:cs typeface="Source Sans Pro"/>
                 <a:sym typeface="Source Sans Pro"/>
               </a:rPr>
-              <a:t>: a tabular, column-oriented data structure capable of efficiently storing and processing large amounts of data with expanded column data types </a:t>
+              <a:t>: a tabular, column-oriented data structure capable of efficiently storing and processing large amounts of data with expanded column data types. </a:t>
             </a:r>
             <a:endParaRPr sz="1200">
               <a:latin typeface="Source Sans Pro"/>
@@ -12108,7 +12159,7 @@
                 <a:cs typeface="Source Sans Pro"/>
                 <a:sym typeface="Source Sans Pro"/>
               </a:rPr>
-              <a:t> but with the capability to work on larger-than-memory data partitioned across multiple files</a:t>
+              <a:t> but with the capability to work on larger-than-memory data partitioned across multiple files.</a:t>
             </a:r>
             <a:endParaRPr sz="1200">
               <a:latin typeface="Source Sans Pro"/>
@@ -14986,7 +15037,7 @@
                   </a:ext>
                 </a:extLst>
               </a:rPr>
-              <a:t>interface to query, manipulate and summarise large data sets </a:t>
+              <a:t>interface to query, manipulate and summarise large datasets </a:t>
             </a:r>
             <a:r>
               <a:rPr i="1" lang="en-US" sz="1200">
@@ -16993,7 +17044,7 @@
                   </a:ext>
                 </a:extLst>
               </a:rPr>
-              <a:t>(con’t)</a:t>
+              <a:t>(cont)</a:t>
             </a:r>
             <a:endParaRPr sz="1200">
               <a:solidFill>
@@ -17310,6 +17361,29 @@
               <a:buNone/>
             </a:pPr>
             <a:r>
+              <a:t/>
+            </a:r>
+            <a:endParaRPr sz="1200">
+              <a:latin typeface="Source Sans Pro"/>
+              <a:ea typeface="Source Sans Pro"/>
+              <a:cs typeface="Source Sans Pro"/>
+              <a:sym typeface="Source Sans Pro"/>
+            </a:endParaRPr>
+          </a:p>
+          <a:p>
+            <a:pPr indent="0" lvl="0" marL="0" rtl="0" algn="l">
+              <a:lnSpc>
+                <a:spcPct val="110000"/>
+              </a:lnSpc>
+              <a:spcBef>
+                <a:spcPts val="0"/>
+              </a:spcBef>
+              <a:spcAft>
+                <a:spcPts val="0"/>
+              </a:spcAft>
+              <a:buNone/>
+            </a:pPr>
+            <a:r>
               <a:rPr lang="en-US" sz="1200">
                 <a:latin typeface="Source Sans Pro"/>
                 <a:ea typeface="Source Sans Pro"/>
@@ -17398,7 +17472,100 @@
               <a:buNone/>
             </a:pPr>
             <a:r>
-              <a:t/>
+              <a:rPr lang="en-US" sz="1200">
+                <a:latin typeface="Source Code Pro"/>
+                <a:ea typeface="Source Code Pro"/>
+                <a:cs typeface="Source Code Pro"/>
+                <a:sym typeface="Source Code Pro"/>
+              </a:rPr>
+              <a:t>year=2021/month=12/data.parquet</a:t>
+            </a:r>
+            <a:endParaRPr sz="1200">
+              <a:latin typeface="Source Code Pro"/>
+              <a:ea typeface="Source Code Pro"/>
+              <a:cs typeface="Source Code Pro"/>
+              <a:sym typeface="Source Code Pro"/>
+            </a:endParaRPr>
+          </a:p>
+          <a:p>
+            <a:pPr indent="0" lvl="0" marL="0" rtl="0" algn="l">
+              <a:lnSpc>
+                <a:spcPct val="110000"/>
+              </a:lnSpc>
+              <a:spcBef>
+                <a:spcPts val="0"/>
+              </a:spcBef>
+              <a:spcAft>
+                <a:spcPts val="0"/>
+              </a:spcAft>
+              <a:buNone/>
+            </a:pPr>
+            <a:r>
+              <a:rPr lang="en-US" sz="1200">
+                <a:latin typeface="Source Code Pro"/>
+                <a:ea typeface="Source Code Pro"/>
+                <a:cs typeface="Source Code Pro"/>
+                <a:sym typeface="Source Code Pro"/>
+              </a:rPr>
+              <a:t>year=2022/month=01/data.parquet</a:t>
+            </a:r>
+            <a:endParaRPr sz="1200">
+              <a:latin typeface="Source Code Pro"/>
+              <a:ea typeface="Source Code Pro"/>
+              <a:cs typeface="Source Code Pro"/>
+              <a:sym typeface="Source Code Pro"/>
+            </a:endParaRPr>
+          </a:p>
+          <a:p>
+            <a:pPr indent="0" lvl="0" marL="0" rtl="0" algn="l">
+              <a:lnSpc>
+                <a:spcPct val="110000"/>
+              </a:lnSpc>
+              <a:spcBef>
+                <a:spcPts val="0"/>
+              </a:spcBef>
+              <a:spcAft>
+                <a:spcPts val="0"/>
+              </a:spcAft>
+              <a:buNone/>
+            </a:pPr>
+            <a:r>
+              <a:rPr lang="en-US" sz="1200">
+                <a:latin typeface="Source Code Pro"/>
+                <a:ea typeface="Source Code Pro"/>
+                <a:cs typeface="Source Code Pro"/>
+                <a:sym typeface="Source Code Pro"/>
+              </a:rPr>
+              <a:t>year=2022/month=02/data.parquet</a:t>
+            </a:r>
+            <a:endParaRPr sz="1200">
+              <a:latin typeface="Source Code Pro"/>
+              <a:ea typeface="Source Code Pro"/>
+              <a:cs typeface="Source Code Pro"/>
+              <a:sym typeface="Source Code Pro"/>
+            </a:endParaRPr>
+          </a:p>
+          <a:p>
+            <a:pPr indent="0" lvl="0" marL="0" rtl="0" algn="l">
+              <a:lnSpc>
+                <a:spcPct val="110000"/>
+              </a:lnSpc>
+              <a:spcBef>
+                <a:spcPts val="0"/>
+              </a:spcBef>
+              <a:spcAft>
+                <a:spcPts val="0"/>
+              </a:spcAft>
+              <a:buNone/>
+            </a:pPr>
+            <a:r>
+              <a:rPr lang="en-US" sz="1200">
+                <a:latin typeface="Source Code Pro"/>
+                <a:ea typeface="Source Code Pro"/>
+                <a:cs typeface="Source Code Pro"/>
+                <a:sym typeface="Source Code Pro"/>
+              </a:rPr>
+              <a:t>…</a:t>
             </a:r>
             <a:endParaRPr sz="1200">
               <a:latin typeface="Source Sans Pro"/>
@@ -17493,6 +17660,29 @@
               <a:t/>
             </a:r>
             <a:endParaRPr sz="1200">
+              <a:latin typeface="Fira Sans Condensed"/>
+              <a:ea typeface="Fira Sans Condensed"/>
+              <a:cs typeface="Fira Sans Condensed"/>
+              <a:sym typeface="Fira Sans Condensed"/>
+            </a:endParaRPr>
+          </a:p>
+          <a:p>
+            <a:pPr indent="0" lvl="0" marL="0" rtl="0" algn="l">
+              <a:lnSpc>
+                <a:spcPct val="110000"/>
+              </a:lnSpc>
+              <a:spcBef>
+                <a:spcPts val="0"/>
+              </a:spcBef>
+              <a:spcAft>
+                <a:spcPts val="0"/>
+              </a:spcAft>
+              <a:buNone/>
+            </a:pPr>
+            <a:r>
+              <a:t/>
+            </a:r>
+            <a:endParaRPr sz="1200">
               <a:latin typeface="Source Sans Pro"/>
               <a:ea typeface="Source Sans Pro"/>
               <a:cs typeface="Source Sans Pro"/>
@@ -17516,10 +17706,33 @@
               <a:t/>
             </a:r>
             <a:endParaRPr sz="1200">
-              <a:latin typeface="Fira Sans Condensed"/>
-              <a:ea typeface="Fira Sans Condensed"/>
-              <a:cs typeface="Fira Sans Condensed"/>
-              <a:sym typeface="Fira Sans Condensed"/>
+              <a:latin typeface="Source Sans Pro"/>
+              <a:ea typeface="Source Sans Pro"/>
+              <a:cs typeface="Source Sans Pro"/>
+              <a:sym typeface="Source Sans Pro"/>
+            </a:endParaRPr>
+          </a:p>
+          <a:p>
+            <a:pPr indent="0" lvl="0" marL="0" rtl="0" algn="l">
+              <a:lnSpc>
+                <a:spcPct val="110000"/>
+              </a:lnSpc>
+              <a:spcBef>
+                <a:spcPts val="0"/>
+              </a:spcBef>
+              <a:spcAft>
+                <a:spcPts val="0"/>
+              </a:spcAft>
+              <a:buNone/>
+            </a:pPr>
+            <a:r>
+              <a:t/>
+            </a:r>
+            <a:endParaRPr sz="1200">
+              <a:latin typeface="Source Sans Pro"/>
+              <a:ea typeface="Source Sans Pro"/>
+              <a:cs typeface="Source Sans Pro"/>
+              <a:sym typeface="Source Sans Pro"/>
             </a:endParaRPr>
           </a:p>
           <a:p>
@@ -17629,7 +17842,7 @@
             </a:endParaRPr>
           </a:p>
           <a:p>
-            <a:pPr indent="0" lvl="0" marL="0" marR="0" rtl="0" algn="l">
+            <a:pPr indent="0" lvl="0" marL="0" rtl="0" algn="l">
               <a:lnSpc>
                 <a:spcPct val="110000"/>
               </a:lnSpc>
@@ -17741,144 +17954,6 @@
               <a:ea typeface="Source Sans Pro"/>
               <a:cs typeface="Source Sans Pro"/>
               <a:sym typeface="Source Sans Pro"/>
-            </a:endParaRPr>
-          </a:p>
-          <a:p>
-            <a:pPr indent="0" lvl="0" marL="0" marR="0" rtl="0" algn="l">
-              <a:lnSpc>
-                <a:spcPct val="110000"/>
-              </a:lnSpc>
-              <a:spcBef>
-                <a:spcPts val="0"/>
-              </a:spcBef>
-              <a:spcAft>
-                <a:spcPts val="0"/>
-              </a:spcAft>
-              <a:buNone/>
-            </a:pPr>
-            <a:r>
-              <a:t/>
-            </a:r>
-            <a:endParaRPr sz="1200">
-              <a:latin typeface="Source Sans Pro"/>
-              <a:ea typeface="Source Sans Pro"/>
-              <a:cs typeface="Source Sans Pro"/>
-              <a:sym typeface="Source Sans Pro"/>
-            </a:endParaRPr>
-          </a:p>
-          <a:p>
-            <a:pPr indent="0" lvl="0" marL="0" marR="0" rtl="0" algn="l">
-              <a:lnSpc>
-                <a:spcPct val="110000"/>
-              </a:lnSpc>
-              <a:spcBef>
-                <a:spcPts val="0"/>
-              </a:spcBef>
-              <a:spcAft>
-                <a:spcPts val="0"/>
-              </a:spcAft>
-              <a:buNone/>
-            </a:pPr>
-            <a:r>
-              <a:t/>
-            </a:r>
-            <a:endParaRPr sz="1200">
-              <a:latin typeface="Source Sans Pro"/>
-              <a:ea typeface="Source Sans Pro"/>
-              <a:cs typeface="Source Sans Pro"/>
-              <a:sym typeface="Source Sans Pro"/>
-            </a:endParaRPr>
-          </a:p>
-          <a:p>
-            <a:pPr indent="0" lvl="0" marL="0" marR="0" rtl="0" algn="l">
-              <a:lnSpc>
-                <a:spcPct val="110000"/>
-              </a:lnSpc>
-              <a:spcBef>
-                <a:spcPts val="0"/>
-              </a:spcBef>
-              <a:spcAft>
-                <a:spcPts val="0"/>
-              </a:spcAft>
-              <a:buNone/>
-            </a:pPr>
-            <a:r>
-              <a:t/>
-            </a:r>
-            <a:endParaRPr sz="1200">
-              <a:latin typeface="Source Sans Pro"/>
-              <a:ea typeface="Source Sans Pro"/>
-              <a:cs typeface="Source Sans Pro"/>
-              <a:sym typeface="Source Sans Pro"/>
-            </a:endParaRPr>
-          </a:p>
-          <a:p>
-            <a:pPr indent="0" lvl="0" marL="0" marR="0" rtl="0" algn="l">
-              <a:lnSpc>
-                <a:spcPct val="110000"/>
-              </a:lnSpc>
-              <a:spcBef>
-                <a:spcPts val="0"/>
-              </a:spcBef>
-              <a:spcAft>
-                <a:spcPts val="0"/>
-              </a:spcAft>
-              <a:buNone/>
-            </a:pPr>
-            <a:r>
-              <a:t/>
-            </a:r>
-            <a:endParaRPr sz="1200">
-              <a:latin typeface="Source Sans Pro"/>
-              <a:ea typeface="Source Sans Pro"/>
-              <a:cs typeface="Source Sans Pro"/>
-              <a:sym typeface="Source Sans Pro"/>
-            </a:endParaRPr>
-          </a:p>
-          <a:p>
-            <a:pPr indent="0" lvl="0" marL="0" marR="0" rtl="0" algn="l">
-              <a:lnSpc>
-                <a:spcPct val="110000"/>
-              </a:lnSpc>
-              <a:spcBef>
-                <a:spcPts val="0"/>
-              </a:spcBef>
-              <a:spcAft>
-                <a:spcPts val="0"/>
-              </a:spcAft>
-              <a:buNone/>
-            </a:pPr>
-            <a:r>
-              <a:t/>
-            </a:r>
-            <a:endParaRPr sz="1200">
-              <a:latin typeface="Source Sans Pro"/>
-              <a:ea typeface="Source Sans Pro"/>
-              <a:cs typeface="Source Sans Pro"/>
-              <a:sym typeface="Source Sans Pro"/>
-            </a:endParaRPr>
-          </a:p>
-          <a:p>
-            <a:pPr indent="0" lvl="0" marL="0" marR="0" rtl="0" algn="l">
-              <a:lnSpc>
-                <a:spcPct val="110000"/>
-              </a:lnSpc>
-              <a:spcBef>
-                <a:spcPts val="0"/>
-              </a:spcBef>
-              <a:spcAft>
-                <a:spcPts val="0"/>
-              </a:spcAft>
-              <a:buNone/>
-            </a:pPr>
-            <a:r>
-              <a:t/>
-            </a:r>
-            <a:endParaRPr sz="1200">
-              <a:latin typeface="Source Code Pro"/>
-              <a:ea typeface="Source Code Pro"/>
-              <a:cs typeface="Source Code Pro"/>
-              <a:sym typeface="Source Code Pro"/>
             </a:endParaRPr>
           </a:p>
           <a:p>
@@ -19994,7 +20069,7 @@
                   </a:ext>
                 </a:extLst>
               </a:rPr>
-              <a:t>arrow.apache.org/docs/r/articles/fs.html</a:t>
+              <a:t>arrow.apache.org/docs/r/articles/fs</a:t>
             </a:r>
             <a:endParaRPr sz="1200">
               <a:solidFill>
@@ -20158,7 +20233,7 @@
                   </a:ext>
                 </a:extLst>
               </a:rPr>
-              <a:t>arrow.apache.org/cookbook/r/index.html</a:t>
+              <a:t>arrow.apache.org/cookbook/r/</a:t>
             </a:r>
             <a:endParaRPr sz="1200">
               <a:solidFill>
@@ -20494,7 +20569,7 @@
         <p:spPr>
           <a:xfrm>
             <a:off x="323325" y="2334950"/>
-            <a:ext cx="4264800" cy="1607100"/>
+            <a:ext cx="4264800" cy="1810200"/>
           </a:xfrm>
           <a:prstGeom prst="rect">
             <a:avLst/>
@@ -20531,7 +20606,7 @@
                 <a:cs typeface="Source Code Pro"/>
                 <a:sym typeface="Source Code Pro"/>
               </a:rPr>
-              <a:t>jedi &lt;- data.frame(</a:t>
+              <a:t>robot &lt;- data.frame(</a:t>
             </a:r>
             <a:endParaRPr sz="1200">
               <a:latin typeface="Source Code Pro"/>
@@ -20560,7 +20635,25 @@
                 <a:cs typeface="Source Code Pro"/>
                 <a:sym typeface="Source Code Pro"/>
               </a:rPr>
-              <a:t>  name = c("C-3PO", "Luke Skywalker"),</a:t>
+              <a:t>   species = c("Human", "Droid", "E</a:t>
+            </a:r>
+            <a:r>
+              <a:rPr lang="en-US" sz="1200">
+                <a:latin typeface="Source Code Pro"/>
+                <a:ea typeface="Source Code Pro"/>
+                <a:cs typeface="Source Code Pro"/>
+                <a:sym typeface="Source Code Pro"/>
+              </a:rPr>
+              <a:t>wok"</a:t>
+            </a:r>
+            <a:r>
+              <a:rPr lang="en-US" sz="1200">
+                <a:latin typeface="Source Code Pro"/>
+                <a:ea typeface="Source Code Pro"/>
+                <a:cs typeface="Source Code Pro"/>
+                <a:sym typeface="Source Code Pro"/>
+              </a:rPr>
+              <a:t>),</a:t>
             </a:r>
             <a:endParaRPr sz="1200">
               <a:latin typeface="Source Code Pro"/>
@@ -20589,7 +20682,7 @@
                 <a:cs typeface="Source Code Pro"/>
                 <a:sym typeface="Source Code Pro"/>
               </a:rPr>
-              <a:t>  jedi = c(FALSE, TRUE)</a:t>
+              <a:t>   bot = c(FALSE, TRUE, FALSE)</a:t>
             </a:r>
             <a:endParaRPr sz="1200">
               <a:latin typeface="Source Code Pro"/>
@@ -20644,10 +20737,10 @@
               <a:t/>
             </a:r>
             <a:endParaRPr sz="1200">
-              <a:latin typeface="Source Sans Pro"/>
-              <a:ea typeface="Source Sans Pro"/>
-              <a:cs typeface="Source Sans Pro"/>
-              <a:sym typeface="Source Sans Pro"/>
+              <a:latin typeface="Source Code Pro"/>
+              <a:ea typeface="Source Code Pro"/>
+              <a:cs typeface="Source Code Pro"/>
+              <a:sym typeface="Source Code Pro"/>
             </a:endParaRPr>
           </a:p>
           <a:p>
@@ -20699,7 +20792,36 @@
                 <a:cs typeface="Source Code Pro"/>
                 <a:sym typeface="Source Code Pro"/>
               </a:rPr>
-              <a:t>  right_join(jedi) %&gt;%</a:t>
+              <a:t>  select(name, species) %&gt;%</a:t>
+            </a:r>
+            <a:endParaRPr sz="1200">
+              <a:latin typeface="Source Code Pro"/>
+              <a:ea typeface="Source Code Pro"/>
+              <a:cs typeface="Source Code Pro"/>
+              <a:sym typeface="Source Code Pro"/>
+            </a:endParaRPr>
+          </a:p>
+          <a:p>
+            <a:pPr indent="0" lvl="0" marL="0" rtl="0" algn="l">
+              <a:lnSpc>
+                <a:spcPct val="110000"/>
+              </a:lnSpc>
+              <a:spcBef>
+                <a:spcPts val="0"/>
+              </a:spcBef>
+              <a:spcAft>
+                <a:spcPts val="0"/>
+              </a:spcAft>
+              <a:buNone/>
+            </a:pPr>
+            <a:r>
+              <a:rPr lang="en-US" sz="1200">
+                <a:latin typeface="Source Code Pro"/>
+                <a:ea typeface="Source Code Pro"/>
+                <a:cs typeface="Source Code Pro"/>
+                <a:sym typeface="Source Code Pro"/>
+              </a:rPr>
+              <a:t>  left_join(robot) %&gt;%</a:t>
             </a:r>
             <a:endParaRPr sz="1200">
               <a:latin typeface="Source Code Pro"/>
@@ -20747,7 +20869,7 @@
         </p:nvSpPr>
         <p:spPr>
           <a:xfrm>
-            <a:off x="323325" y="4744775"/>
+            <a:off x="323325" y="6021125"/>
             <a:ext cx="4264800" cy="1200600"/>
           </a:xfrm>
           <a:prstGeom prst="rect">
@@ -20814,7 +20936,7 @@
                 <a:cs typeface="Source Code Pro"/>
                 <a:sym typeface="Source Code Pro"/>
               </a:rPr>
-              <a:t>  partitioning = c("year"))%&gt;%</a:t>
+              <a:t>  partitioning = c("year", "month")) %&gt;%</a:t>
             </a:r>
             <a:endParaRPr sz="1200">
               <a:latin typeface="Source Code Pro"/>
@@ -20843,7 +20965,7 @@
                 <a:cs typeface="Source Code Pro"/>
                 <a:sym typeface="Source Code Pro"/>
               </a:rPr>
-              <a:t>  filter(year == 2022)%&gt;%</a:t>
+              <a:t>  filter(year == 2022) %&gt;%</a:t>
             </a:r>
             <a:endParaRPr sz="1200">
               <a:latin typeface="Source Code Pro"/>
@@ -20949,8 +21071,8 @@
         </p:nvSpPr>
         <p:spPr>
           <a:xfrm>
-            <a:off x="323325" y="6963350"/>
-            <a:ext cx="4264800" cy="2013300"/>
+            <a:off x="323325" y="8248775"/>
+            <a:ext cx="4264800" cy="794100"/>
           </a:xfrm>
           <a:prstGeom prst="rect">
             <a:avLst/>
@@ -20987,198 +21109,7 @@
                 <a:cs typeface="Source Code Pro"/>
                 <a:sym typeface="Source Code Pro"/>
               </a:rPr>
-              <a:t>library(stringr)</a:t>
-            </a:r>
-            <a:endParaRPr sz="1200">
-              <a:latin typeface="Source Code Pro"/>
-              <a:ea typeface="Source Code Pro"/>
-              <a:cs typeface="Source Code Pro"/>
-              <a:sym typeface="Source Code Pro"/>
-            </a:endParaRPr>
-          </a:p>
-          <a:p>
-            <a:pPr indent="0" lvl="0" marL="0" rtl="0" algn="l">
-              <a:lnSpc>
-                <a:spcPct val="110000"/>
-              </a:lnSpc>
-              <a:spcBef>
-                <a:spcPts val="0"/>
-              </a:spcBef>
-              <a:spcAft>
-                <a:spcPts val="0"/>
-              </a:spcAft>
-              <a:buNone/>
-            </a:pPr>
-            <a:r>
-              <a:t/>
-            </a:r>
-            <a:endParaRPr sz="1200">
-              <a:latin typeface="Source Code Pro"/>
-              <a:ea typeface="Source Code Pro"/>
-              <a:cs typeface="Source Code Pro"/>
-              <a:sym typeface="Source Code Pro"/>
-            </a:endParaRPr>
-          </a:p>
-          <a:p>
-            <a:pPr indent="0" lvl="0" marL="0" rtl="0" algn="l">
-              <a:lnSpc>
-                <a:spcPct val="110000"/>
-              </a:lnSpc>
-              <a:spcBef>
-                <a:spcPts val="0"/>
-              </a:spcBef>
-              <a:spcAft>
-                <a:spcPts val="0"/>
-              </a:spcAft>
-              <a:buNone/>
-            </a:pPr>
-            <a:r>
-              <a:rPr lang="en-US" sz="1200">
-                <a:latin typeface="Source Code Pro"/>
-                <a:ea typeface="Source Code Pro"/>
-                <a:cs typeface="Source Code Pro"/>
-                <a:sym typeface="Source Code Pro"/>
-              </a:rPr>
-              <a:t>arrow_table(starwars) %&gt;%</a:t>
-            </a:r>
-            <a:endParaRPr sz="1200">
-              <a:latin typeface="Source Code Pro"/>
-              <a:ea typeface="Source Code Pro"/>
-              <a:cs typeface="Source Code Pro"/>
-              <a:sym typeface="Source Code Pro"/>
-            </a:endParaRPr>
-          </a:p>
-          <a:p>
-            <a:pPr indent="0" lvl="0" marL="0" rtl="0" algn="l">
-              <a:lnSpc>
-                <a:spcPct val="110000"/>
-              </a:lnSpc>
-              <a:spcBef>
-                <a:spcPts val="0"/>
-              </a:spcBef>
-              <a:spcAft>
-                <a:spcPts val="0"/>
-              </a:spcAft>
-              <a:buNone/>
-            </a:pPr>
-            <a:r>
-              <a:rPr lang="en-US" sz="1200">
-                <a:latin typeface="Source Code Pro"/>
-                <a:ea typeface="Source Code Pro"/>
-                <a:cs typeface="Source Code Pro"/>
-                <a:sym typeface="Source Code Pro"/>
-              </a:rPr>
-              <a:t>  mutate(name_split = str_split_fixed(name, </a:t>
-            </a:r>
-            <a:endParaRPr sz="1200">
-              <a:latin typeface="Source Code Pro"/>
-              <a:ea typeface="Source Code Pro"/>
-              <a:cs typeface="Source Code Pro"/>
-              <a:sym typeface="Source Code Pro"/>
-            </a:endParaRPr>
-          </a:p>
-          <a:p>
-            <a:pPr indent="0" lvl="0" marL="0" rtl="0" algn="l">
-              <a:lnSpc>
-                <a:spcPct val="110000"/>
-              </a:lnSpc>
-              <a:spcBef>
-                <a:spcPts val="0"/>
-              </a:spcBef>
-              <a:spcAft>
-                <a:spcPts val="0"/>
-              </a:spcAft>
-              <a:buNone/>
-            </a:pPr>
-            <a:r>
-              <a:rPr lang="en-US" sz="1200">
-                <a:latin typeface="Source Code Pro"/>
-                <a:ea typeface="Source Code Pro"/>
-                <a:cs typeface="Source Code Pro"/>
-                <a:sym typeface="Source Code Pro"/>
-              </a:rPr>
-              <a:t>    " ", 2)) %&gt;%</a:t>
-            </a:r>
-            <a:endParaRPr sz="1200">
-              <a:latin typeface="Source Code Pro"/>
-              <a:ea typeface="Source Code Pro"/>
-              <a:cs typeface="Source Code Pro"/>
-              <a:sym typeface="Source Code Pro"/>
-            </a:endParaRPr>
-          </a:p>
-          <a:p>
-            <a:pPr indent="0" lvl="0" marL="0" rtl="0" algn="l">
-              <a:lnSpc>
-                <a:spcPct val="110000"/>
-              </a:lnSpc>
-              <a:spcBef>
-                <a:spcPts val="0"/>
-              </a:spcBef>
-              <a:spcAft>
-                <a:spcPts val="0"/>
-              </a:spcAft>
-              <a:buNone/>
-            </a:pPr>
-            <a:r>
-              <a:rPr lang="en-US" sz="1200">
-                <a:latin typeface="Source Code Pro"/>
-                <a:ea typeface="Source Code Pro"/>
-                <a:cs typeface="Source Code Pro"/>
-                <a:sym typeface="Source Code Pro"/>
-              </a:rPr>
-              <a:t>  collect()</a:t>
-            </a:r>
-            <a:endParaRPr sz="1200">
-              <a:latin typeface="Source Code Pro"/>
-              <a:ea typeface="Source Code Pro"/>
-              <a:cs typeface="Source Code Pro"/>
-              <a:sym typeface="Source Code Pro"/>
-            </a:endParaRPr>
-          </a:p>
-          <a:p>
-            <a:pPr indent="0" lvl="0" marL="0" rtl="0" algn="l">
-              <a:lnSpc>
-                <a:spcPct val="110000"/>
-              </a:lnSpc>
-              <a:spcBef>
-                <a:spcPts val="0"/>
-              </a:spcBef>
-              <a:spcAft>
-                <a:spcPts val="0"/>
-              </a:spcAft>
-              <a:buNone/>
-            </a:pPr>
-            <a:r>
-              <a:t/>
-            </a:r>
-            <a:endParaRPr sz="1200">
-              <a:latin typeface="Source Code Pro"/>
-              <a:ea typeface="Source Code Pro"/>
-              <a:cs typeface="Source Code Pro"/>
-              <a:sym typeface="Source Code Pro"/>
-            </a:endParaRPr>
-          </a:p>
-          <a:p>
-            <a:pPr indent="0" lvl="0" marL="0" rtl="0" algn="l">
-              <a:lnSpc>
-                <a:spcPct val="110000"/>
-              </a:lnSpc>
-              <a:spcBef>
-                <a:spcPts val="0"/>
-              </a:spcBef>
-              <a:spcAft>
-                <a:spcPts val="0"/>
-              </a:spcAft>
-              <a:buNone/>
-            </a:pPr>
-            <a:r>
-              <a:rPr lang="en-US" sz="1200">
-                <a:latin typeface="Source Code Pro"/>
-                <a:ea typeface="Source Code Pro"/>
-                <a:cs typeface="Source Code Pro"/>
-                <a:sym typeface="Source Code Pro"/>
-              </a:rPr>
-              <a:t>## Warning: Expression str_split_fixed(name, " ", 2) not supported in Arrow;</a:t>
+              <a:t>## Warning: Expression unimplemented_function() not supported in Arrow;</a:t>
             </a:r>
             <a:endParaRPr sz="1200">
               <a:latin typeface="Source Code Pro"/>
@@ -22506,6 +22437,285 @@
 </file>
 
 <file path=ppt/theme/theme1.xml><?xml version="1.0" encoding="utf-8"?>
+<a:theme xmlns:a="http://schemas.openxmlformats.org/drawingml/2006/main" xmlns:r="http://schemas.openxmlformats.org/officeDocument/2006/relationships" name="Cheat Sheet">
+  <a:themeElements>
+    <a:clrScheme name="White">
+      <a:dk1>
+        <a:srgbClr val="4C4C4C"/>
+      </a:dk1>
+      <a:lt1>
+        <a:srgbClr val="FFFFFF"/>
+      </a:lt1>
+      <a:dk2>
+        <a:srgbClr val="53585F"/>
+      </a:dk2>
+      <a:lt2>
+        <a:srgbClr val="DCDEE0"/>
+      </a:lt2>
+      <a:accent1>
+        <a:srgbClr val="0365C0"/>
+      </a:accent1>
+      <a:accent2>
+        <a:srgbClr val="00882B"/>
+      </a:accent2>
+      <a:accent3>
+        <a:srgbClr val="F7DCA7"/>
+      </a:accent3>
+      <a:accent4>
+        <a:srgbClr val="DE6A10"/>
+      </a:accent4>
+      <a:accent5>
+        <a:srgbClr val="C82506"/>
+      </a:accent5>
+      <a:accent6>
+        <a:srgbClr val="773F9B"/>
+      </a:accent6>
+      <a:hlink>
+        <a:srgbClr val="0000FF"/>
+      </a:hlink>
+      <a:folHlink>
+        <a:srgbClr val="FF00FF"/>
+      </a:folHlink>
+    </a:clrScheme>
+    <a:fontScheme name="Office">
+      <a:majorFont>
+        <a:latin typeface="Arial"/>
+        <a:ea typeface=""/>
+        <a:cs typeface=""/>
+        <a:font script="Jpan" typeface="ＭＳ Ｐゴシック"/>
+        <a:font script="Hang" typeface="맑은 고딕"/>
+        <a:font script="Hans" typeface="宋体"/>
+        <a:font script="Hant" typeface="新細明體"/>
+        <a:font script="Arab" typeface="Times New Roman"/>
+        <a:font script="Hebr" typeface="Times New Roman"/>
+        <a:font script="Thai" typeface="Angsana New"/>
+        <a:font script="Ethi" typeface="Nyala"/>
+        <a:font script="Beng" typeface="Vrinda"/>
+        <a:font script="Gujr" typeface="Shruti"/>
+        <a:font script="Khmr" typeface="MoolBoran"/>
+        <a:font script="Knda" typeface="Tunga"/>
+        <a:font script="Guru" typeface="Raavi"/>
+        <a:font script="Cans" typeface="Euphemia"/>
+        <a:font script="Cher" typeface="Plantagenet Cherokee"/>
+        <a:font script="Yiii" typeface="Microsoft Yi Baiti"/>
+        <a:font script="Tibt" typeface="Microsoft Himalaya"/>
+        <a:font script="Thaa" typeface="MV Boli"/>
+        <a:font script="Deva" typeface="Mangal"/>
+        <a:font script="Telu" typeface="Gautami"/>
+        <a:font script="Taml" typeface="Latha"/>
+        <a:font script="Syrc" typeface="Estrangelo Edessa"/>
+        <a:font script="Orya" typeface="Kalinga"/>
+        <a:font script="Mlym" typeface="Kartika"/>
+        <a:font script="Laoo" typeface="DokChampa"/>
+        <a:font script="Sinh" typeface="Iskoola Pota"/>
+        <a:font script="Mong" typeface="Mongolian Baiti"/>
+        <a:font script="Viet" typeface="Times New Roman"/>
+        <a:font script="Uigh" typeface="Microsoft Uighur"/>
+        <a:font script="Geor" typeface="Sylfaen"/>
+      </a:majorFont>
+      <a:minorFont>
+        <a:latin typeface="Arial"/>
+        <a:ea typeface=""/>
+        <a:cs typeface=""/>
+        <a:font script="Jpan" typeface="ＭＳ Ｐゴシック"/>
+        <a:font script="Hang" typeface="맑은 고딕"/>
+        <a:font script="Hans" typeface="宋体"/>
+        <a:font script="Hant" typeface="新細明體"/>
+        <a:font script="Arab" typeface="Arial"/>
+        <a:font script="Hebr" typeface="Arial"/>
+        <a:font script="Thai" typeface="Cordia New"/>
+        <a:font script="Ethi" typeface="Nyala"/>
+        <a:font script="Beng" typeface="Vrinda"/>
+        <a:font script="Gujr" typeface="Shruti"/>
+        <a:font script="Khmr" typeface="DaunPenh"/>
+        <a:font script="Knda" typeface="Tunga"/>
+        <a:font script="Guru" typeface="Raavi"/>
+        <a:font script="Cans" typeface="Euphemia"/>
+        <a:font script="Cher" typeface="Plantagenet Cherokee"/>
+        <a:font script="Yiii" typeface="Microsoft Yi Baiti"/>
+        <a:font script="Tibt" typeface="Microsoft Himalaya"/>
+        <a:font script="Thaa" typeface="MV Boli"/>
+        <a:font script="Deva" typeface="Mangal"/>
+        <a:font script="Telu" typeface="Gautami"/>
+        <a:font script="Taml" typeface="Latha"/>
+        <a:font script="Syrc" typeface="Estrangelo Edessa"/>
+        <a:font script="Orya" typeface="Kalinga"/>
+        <a:font script="Mlym" typeface="Kartika"/>
+        <a:font script="Laoo" typeface="DokChampa"/>
+        <a:font script="Sinh" typeface="Iskoola Pota"/>
+        <a:font script="Mong" typeface="Mongolian Baiti"/>
+        <a:font script="Viet" typeface="Arial"/>
+        <a:font script="Uigh" typeface="Microsoft Uighur"/>
+        <a:font script="Geor" typeface="Sylfaen"/>
+      </a:minorFont>
+    </a:fontScheme>
+    <a:fmtScheme name="Office">
+      <a:fillStyleLst>
+        <a:solidFill>
+          <a:schemeClr val="phClr"/>
+        </a:solidFill>
+        <a:gradFill rotWithShape="1">
+          <a:gsLst>
+            <a:gs pos="0">
+              <a:schemeClr val="phClr">
+                <a:tint val="50000"/>
+                <a:satMod val="300000"/>
+              </a:schemeClr>
+            </a:gs>
+            <a:gs pos="35000">
+              <a:schemeClr val="phClr">
+                <a:tint val="37000"/>
+                <a:satMod val="300000"/>
+              </a:schemeClr>
+            </a:gs>
+            <a:gs pos="100000">
+              <a:schemeClr val="phClr">
+                <a:tint val="15000"/>
+                <a:satMod val="350000"/>
+              </a:schemeClr>
+            </a:gs>
+          </a:gsLst>
+          <a:lin ang="16200000" scaled="1"/>
+        </a:gradFill>
+        <a:gradFill rotWithShape="1">
+          <a:gsLst>
+            <a:gs pos="0">
+              <a:schemeClr val="phClr">
+                <a:tint val="100000"/>
+                <a:shade val="100000"/>
+                <a:satMod val="130000"/>
+              </a:schemeClr>
+            </a:gs>
+            <a:gs pos="100000">
+              <a:schemeClr val="phClr">
+                <a:tint val="50000"/>
+                <a:shade val="100000"/>
+                <a:satMod val="350000"/>
+              </a:schemeClr>
+            </a:gs>
+          </a:gsLst>
+          <a:lin ang="16200000" scaled="0"/>
+        </a:gradFill>
+      </a:fillStyleLst>
+      <a:lnStyleLst>
+        <a:ln w="9525" cap="flat" cmpd="sng" algn="ctr">
+          <a:solidFill>
+            <a:schemeClr val="phClr">
+              <a:shade val="95000"/>
+              <a:satMod val="105000"/>
+            </a:schemeClr>
+          </a:solidFill>
+          <a:prstDash val="solid"/>
+        </a:ln>
+        <a:ln w="25400" cap="flat" cmpd="sng" algn="ctr">
+          <a:solidFill>
+            <a:schemeClr val="phClr"/>
+          </a:solidFill>
+          <a:prstDash val="solid"/>
+        </a:ln>
+        <a:ln w="38100" cap="flat" cmpd="sng" algn="ctr">
+          <a:solidFill>
+            <a:schemeClr val="phClr"/>
+          </a:solidFill>
+          <a:prstDash val="solid"/>
+        </a:ln>
+      </a:lnStyleLst>
+      <a:effectStyleLst>
+        <a:effectStyle>
+          <a:effectLst>
+            <a:outerShdw blurRad="40000" dist="20000" dir="5400000" rotWithShape="0">
+              <a:srgbClr val="000000">
+                <a:alpha val="38000"/>
+              </a:srgbClr>
+            </a:outerShdw>
+          </a:effectLst>
+        </a:effectStyle>
+        <a:effectStyle>
+          <a:effectLst>
+            <a:outerShdw blurRad="40000" dist="23000" dir="5400000" rotWithShape="0">
+              <a:srgbClr val="000000">
+                <a:alpha val="35000"/>
+              </a:srgbClr>
+            </a:outerShdw>
+          </a:effectLst>
+        </a:effectStyle>
+        <a:effectStyle>
+          <a:effectLst>
+            <a:outerShdw blurRad="40000" dist="23000" dir="5400000" rotWithShape="0">
+              <a:srgbClr val="000000">
+                <a:alpha val="35000"/>
+              </a:srgbClr>
+            </a:outerShdw>
+          </a:effectLst>
+          <a:scene3d>
+            <a:camera prst="orthographicFront">
+              <a:rot lat="0" lon="0" rev="0"/>
+            </a:camera>
+            <a:lightRig rig="threePt" dir="t">
+              <a:rot lat="0" lon="0" rev="1200000"/>
+            </a:lightRig>
+          </a:scene3d>
+          <a:sp3d>
+            <a:bevelT w="63500" h="25400"/>
+          </a:sp3d>
+        </a:effectStyle>
+      </a:effectStyleLst>
+      <a:bgFillStyleLst>
+        <a:solidFill>
+          <a:schemeClr val="phClr"/>
+        </a:solidFill>
+        <a:gradFill rotWithShape="1">
+          <a:gsLst>
+            <a:gs pos="0">
+              <a:schemeClr val="phClr">
+                <a:tint val="40000"/>
+                <a:satMod val="350000"/>
+              </a:schemeClr>
+            </a:gs>
+            <a:gs pos="40000">
+              <a:schemeClr val="phClr">
+                <a:tint val="45000"/>
+                <a:shade val="99000"/>
+                <a:satMod val="350000"/>
+              </a:schemeClr>
+            </a:gs>
+            <a:gs pos="100000">
+              <a:schemeClr val="phClr">
+                <a:shade val="20000"/>
+                <a:satMod val="255000"/>
+              </a:schemeClr>
+            </a:gs>
+          </a:gsLst>
+          <a:path path="circle">
+            <a:fillToRect l="50000" t="-80000" r="50000" b="180000"/>
+          </a:path>
+        </a:gradFill>
+        <a:gradFill rotWithShape="1">
+          <a:gsLst>
+            <a:gs pos="0">
+              <a:schemeClr val="phClr">
+                <a:tint val="80000"/>
+                <a:satMod val="300000"/>
+              </a:schemeClr>
+            </a:gs>
+            <a:gs pos="100000">
+              <a:schemeClr val="phClr">
+                <a:shade val="30000"/>
+                <a:satMod val="200000"/>
+              </a:schemeClr>
+            </a:gs>
+          </a:gsLst>
+          <a:path path="circle">
+            <a:fillToRect l="50000" t="50000" r="50000" b="50000"/>
+          </a:path>
+        </a:gradFill>
+      </a:bgFillStyleLst>
+    </a:fmtScheme>
+  </a:themeElements>
+</a:theme>
+</file>
+
+<file path=ppt/theme/theme2.xml><?xml version="1.0" encoding="utf-8"?>
 <a:theme xmlns:a="http://schemas.openxmlformats.org/drawingml/2006/main" xmlns:r="http://schemas.openxmlformats.org/officeDocument/2006/relationships" name="White">
   <a:themeElements>
     <a:clrScheme name="White">
@@ -22782,283 +22992,4 @@
     </a:fmtScheme>
   </a:themeElements>
 </a:theme>
-</file>
-
-<file path=ppt/theme/theme2.xml><?xml version="1.0" encoding="utf-8"?>
-<a:theme xmlns:a="http://schemas.openxmlformats.org/drawingml/2006/main" xmlns:r="http://schemas.openxmlformats.org/officeDocument/2006/relationships" name="Cheat Sheet">
-  <a:themeElements>
-    <a:clrScheme name="White">
-      <a:dk1>
-        <a:srgbClr val="4C4C4C"/>
-      </a:dk1>
-      <a:lt1>
-        <a:srgbClr val="FFFFFF"/>
-      </a:lt1>
-      <a:dk2>
-        <a:srgbClr val="53585F"/>
-      </a:dk2>
-      <a:lt2>
-        <a:srgbClr val="DCDEE0"/>
-      </a:lt2>
-      <a:accent1>
-        <a:srgbClr val="0365C0"/>
-      </a:accent1>
-      <a:accent2>
-        <a:srgbClr val="00882B"/>
-      </a:accent2>
-      <a:accent3>
-        <a:srgbClr val="F7DCA7"/>
-      </a:accent3>
-      <a:accent4>
-        <a:srgbClr val="DE6A10"/>
-      </a:accent4>
-      <a:accent5>
-        <a:srgbClr val="C82506"/>
-      </a:accent5>
-      <a:accent6>
-        <a:srgbClr val="773F9B"/>
-      </a:accent6>
-      <a:hlink>
-        <a:srgbClr val="0000FF"/>
-      </a:hlink>
-      <a:folHlink>
-        <a:srgbClr val="FF00FF"/>
-      </a:folHlink>
-    </a:clrScheme>
-    <a:fontScheme name="Office">
-      <a:majorFont>
-        <a:latin typeface="Arial"/>
-        <a:ea typeface=""/>
-        <a:cs typeface=""/>
-        <a:font script="Jpan" typeface="ＭＳ Ｐゴシック"/>
-        <a:font script="Hang" typeface="맑은 고딕"/>
-        <a:font script="Hans" typeface="宋体"/>
-        <a:font script="Hant" typeface="新細明體"/>
-        <a:font script="Arab" typeface="Times New Roman"/>
-        <a:font script="Hebr" typeface="Times New Roman"/>
-        <a:font script="Thai" typeface="Angsana New"/>
-        <a:font script="Ethi" typeface="Nyala"/>
-        <a:font script="Beng" typeface="Vrinda"/>
-        <a:font script="Gujr" typeface="Shruti"/>
-        <a:font script="Khmr" typeface="MoolBoran"/>
-        <a:font script="Knda" typeface="Tunga"/>
-        <a:font script="Guru" typeface="Raavi"/>
-        <a:font script="Cans" typeface="Euphemia"/>
-        <a:font script="Cher" typeface="Plantagenet Cherokee"/>
-        <a:font script="Yiii" typeface="Microsoft Yi Baiti"/>
-        <a:font script="Tibt" typeface="Microsoft Himalaya"/>
-        <a:font script="Thaa" typeface="MV Boli"/>
-        <a:font script="Deva" typeface="Mangal"/>
-        <a:font script="Telu" typeface="Gautami"/>
-        <a:font script="Taml" typeface="Latha"/>
-        <a:font script="Syrc" typeface="Estrangelo Edessa"/>
-        <a:font script="Orya" typeface="Kalinga"/>
-        <a:font script="Mlym" typeface="Kartika"/>
-        <a:font script="Laoo" typeface="DokChampa"/>
-        <a:font script="Sinh" typeface="Iskoola Pota"/>
-        <a:font script="Mong" typeface="Mongolian Baiti"/>
-        <a:font script="Viet" typeface="Times New Roman"/>
-        <a:font script="Uigh" typeface="Microsoft Uighur"/>
-        <a:font script="Geor" typeface="Sylfaen"/>
-      </a:majorFont>
-      <a:minorFont>
-        <a:latin typeface="Arial"/>
-        <a:ea typeface=""/>
-        <a:cs typeface=""/>
-        <a:font script="Jpan" typeface="ＭＳ Ｐゴシック"/>
-        <a:font script="Hang" typeface="맑은 고딕"/>
-        <a:font script="Hans" typeface="宋体"/>
-        <a:font script="Hant" typeface="新細明體"/>
-        <a:font script="Arab" typeface="Arial"/>
-        <a:font script="Hebr" typeface="Arial"/>
-        <a:font script="Thai" typeface="Cordia New"/>
-        <a:font script="Ethi" typeface="Nyala"/>
-        <a:font script="Beng" typeface="Vrinda"/>
-        <a:font script="Gujr" typeface="Shruti"/>
-        <a:font script="Khmr" typeface="DaunPenh"/>
-        <a:font script="Knda" typeface="Tunga"/>
-        <a:font script="Guru" typeface="Raavi"/>
-        <a:font script="Cans" typeface="Euphemia"/>
-        <a:font script="Cher" typeface="Plantagenet Cherokee"/>
-        <a:font script="Yiii" typeface="Microsoft Yi Baiti"/>
-        <a:font script="Tibt" typeface="Microsoft Himalaya"/>
-        <a:font script="Thaa" typeface="MV Boli"/>
-        <a:font script="Deva" typeface="Mangal"/>
-        <a:font script="Telu" typeface="Gautami"/>
-        <a:font script="Taml" typeface="Latha"/>
-        <a:font script="Syrc" typeface="Estrangelo Edessa"/>
-        <a:font script="Orya" typeface="Kalinga"/>
-        <a:font script="Mlym" typeface="Kartika"/>
-        <a:font script="Laoo" typeface="DokChampa"/>
-        <a:font script="Sinh" typeface="Iskoola Pota"/>
-        <a:font script="Mong" typeface="Mongolian Baiti"/>
-        <a:font script="Viet" typeface="Arial"/>
-        <a:font script="Uigh" typeface="Microsoft Uighur"/>
-        <a:font script="Geor" typeface="Sylfaen"/>
-      </a:minorFont>
-    </a:fontScheme>
-    <a:fmtScheme name="Office">
-      <a:fillStyleLst>
-        <a:solidFill>
-          <a:schemeClr val="phClr"/>
-        </a:solidFill>
-        <a:gradFill rotWithShape="1">
-          <a:gsLst>
-            <a:gs pos="0">
-              <a:schemeClr val="phClr">
-                <a:tint val="50000"/>
-                <a:satMod val="300000"/>
-              </a:schemeClr>
-            </a:gs>
-            <a:gs pos="35000">
-              <a:schemeClr val="phClr">
-                <a:tint val="37000"/>
-                <a:satMod val="300000"/>
-              </a:schemeClr>
-            </a:gs>
-            <a:gs pos="100000">
-              <a:schemeClr val="phClr">
-                <a:tint val="15000"/>
-                <a:satMod val="350000"/>
-              </a:schemeClr>
-            </a:gs>
-          </a:gsLst>
-          <a:lin ang="16200000" scaled="1"/>
-        </a:gradFill>
-        <a:gradFill rotWithShape="1">
-          <a:gsLst>
-            <a:gs pos="0">
-              <a:schemeClr val="phClr">
-                <a:tint val="100000"/>
-                <a:shade val="100000"/>
-                <a:satMod val="130000"/>
-              </a:schemeClr>
-            </a:gs>
-            <a:gs pos="100000">
-              <a:schemeClr val="phClr">
-                <a:tint val="50000"/>
-                <a:shade val="100000"/>
-                <a:satMod val="350000"/>
-              </a:schemeClr>
-            </a:gs>
-          </a:gsLst>
-          <a:lin ang="16200000" scaled="0"/>
-        </a:gradFill>
-      </a:fillStyleLst>
-      <a:lnStyleLst>
-        <a:ln w="9525" cap="flat" cmpd="sng" algn="ctr">
-          <a:solidFill>
-            <a:schemeClr val="phClr">
-              <a:shade val="95000"/>
-              <a:satMod val="105000"/>
-            </a:schemeClr>
-          </a:solidFill>
-          <a:prstDash val="solid"/>
-        </a:ln>
-        <a:ln w="25400" cap="flat" cmpd="sng" algn="ctr">
-          <a:solidFill>
-            <a:schemeClr val="phClr"/>
-          </a:solidFill>
-          <a:prstDash val="solid"/>
-        </a:ln>
-        <a:ln w="38100" cap="flat" cmpd="sng" algn="ctr">
-          <a:solidFill>
-            <a:schemeClr val="phClr"/>
-          </a:solidFill>
-          <a:prstDash val="solid"/>
-        </a:ln>
-      </a:lnStyleLst>
-      <a:effectStyleLst>
-        <a:effectStyle>
-          <a:effectLst>
-            <a:outerShdw blurRad="40000" dist="20000" dir="5400000" rotWithShape="0">
-              <a:srgbClr val="000000">
-                <a:alpha val="38000"/>
-              </a:srgbClr>
-            </a:outerShdw>
-          </a:effectLst>
-        </a:effectStyle>
-        <a:effectStyle>
-          <a:effectLst>
-            <a:outerShdw blurRad="40000" dist="23000" dir="5400000" rotWithShape="0">
-              <a:srgbClr val="000000">
-                <a:alpha val="35000"/>
-              </a:srgbClr>
-            </a:outerShdw>
-          </a:effectLst>
-        </a:effectStyle>
-        <a:effectStyle>
-          <a:effectLst>
-            <a:outerShdw blurRad="40000" dist="23000" dir="5400000" rotWithShape="0">
-              <a:srgbClr val="000000">
-                <a:alpha val="35000"/>
-              </a:srgbClr>
-            </a:outerShdw>
-          </a:effectLst>
-          <a:scene3d>
-            <a:camera prst="orthographicFront">
-              <a:rot lat="0" lon="0" rev="0"/>
-            </a:camera>
-            <a:lightRig rig="threePt" dir="t">
-              <a:rot lat="0" lon="0" rev="1200000"/>
-            </a:lightRig>
-          </a:scene3d>
-          <a:sp3d>
-            <a:bevelT w="63500" h="25400"/>
-          </a:sp3d>
-        </a:effectStyle>
-      </a:effectStyleLst>
-      <a:bgFillStyleLst>
-        <a:solidFill>
-          <a:schemeClr val="phClr"/>
-        </a:solidFill>
-        <a:gradFill rotWithShape="1">
-          <a:gsLst>
-            <a:gs pos="0">
-              <a:schemeClr val="phClr">
-                <a:tint val="40000"/>
-                <a:satMod val="350000"/>
-              </a:schemeClr>
-            </a:gs>
-            <a:gs pos="40000">
-              <a:schemeClr val="phClr">
-                <a:tint val="45000"/>
-                <a:shade val="99000"/>
-                <a:satMod val="350000"/>
-              </a:schemeClr>
-            </a:gs>
-            <a:gs pos="100000">
-              <a:schemeClr val="phClr">
-                <a:shade val="20000"/>
-                <a:satMod val="255000"/>
-              </a:schemeClr>
-            </a:gs>
-          </a:gsLst>
-          <a:path path="circle">
-            <a:fillToRect l="50000" t="-80000" r="50000" b="180000"/>
-          </a:path>
-        </a:gradFill>
-        <a:gradFill rotWithShape="1">
-          <a:gsLst>
-            <a:gs pos="0">
-              <a:schemeClr val="phClr">
-                <a:tint val="80000"/>
-                <a:satMod val="300000"/>
-              </a:schemeClr>
-            </a:gs>
-            <a:gs pos="100000">
-              <a:schemeClr val="phClr">
-                <a:shade val="30000"/>
-                <a:satMod val="200000"/>
-              </a:schemeClr>
-            </a:gs>
-          </a:gsLst>
-          <a:path path="circle">
-            <a:fillToRect l="50000" t="50000" r="50000" b="50000"/>
-          </a:path>
-        </a:gradFill>
-      </a:bgFillStyleLst>
-    </a:fmtScheme>
-  </a:themeElements>
-</a:theme>
 </file>